--- a/Phase 1- Planning And Automation.pptx
+++ b/Phase 1- Planning And Automation.pptx
@@ -40,6 +40,15 @@
     <p:sldId id="295" r:id="rId34"/>
     <p:sldId id="296" r:id="rId35"/>
     <p:sldId id="297" r:id="rId36"/>
+    <p:sldId id="298" r:id="rId37"/>
+    <p:sldId id="299" r:id="rId38"/>
+    <p:sldId id="300" r:id="rId39"/>
+    <p:sldId id="301" r:id="rId40"/>
+    <p:sldId id="302" r:id="rId41"/>
+    <p:sldId id="303" r:id="rId42"/>
+    <p:sldId id="304" r:id="rId43"/>
+    <p:sldId id="305" r:id="rId44"/>
+    <p:sldId id="306" r:id="rId45"/>
   </p:sldIdLst>
   <p:sldSz cx="12192000" cy="6858000"/>
   <p:notesSz cx="6858000" cy="9144000"/>
@@ -20659,15 +20668,7 @@
           <a:p>
             <a:r>
               <a:rPr lang="en-IN" dirty="0"/>
-              <a:t>Phase 1- </a:t>
-            </a:r>
-            <a:r>
-              <a:rPr lang="en-IN"/>
-              <a:t>Planning And </a:t>
-            </a:r>
-            <a:r>
-              <a:rPr lang="en-IN" dirty="0"/>
-              <a:t>Automation</a:t>
+              <a:t>Phase 1- Planning And Automation</a:t>
             </a:r>
           </a:p>
         </p:txBody>
@@ -23969,6 +23970,569 @@
 </p:sld>
 </file>
 
+<file path=ppt/slides/slide36.xml><?xml version="1.0" encoding="utf-8"?>
+<p:sld xmlns:a="http://schemas.openxmlformats.org/drawingml/2006/main" xmlns:r="http://schemas.openxmlformats.org/officeDocument/2006/relationships" xmlns:p="http://schemas.openxmlformats.org/presentationml/2006/main">
+  <p:cSld>
+    <p:spTree>
+      <p:nvGrpSpPr>
+        <p:cNvPr id="1" name=""/>
+        <p:cNvGrpSpPr/>
+        <p:nvPr/>
+      </p:nvGrpSpPr>
+      <p:grpSpPr>
+        <a:xfrm>
+          <a:off x="0" y="0"/>
+          <a:ext cx="0" cy="0"/>
+          <a:chOff x="0" y="0"/>
+          <a:chExt cx="0" cy="0"/>
+        </a:xfrm>
+      </p:grpSpPr>
+      <p:sp>
+        <p:nvSpPr>
+          <p:cNvPr id="2" name="Title 1">
+            <a:extLst>
+              <a:ext uri="{FF2B5EF4-FFF2-40B4-BE49-F238E27FC236}">
+                <a16:creationId xmlns:a16="http://schemas.microsoft.com/office/drawing/2014/main" id="{255A6ADE-C261-C765-C40D-1145AC524B1C}"/>
+              </a:ext>
+            </a:extLst>
+          </p:cNvPr>
+          <p:cNvSpPr>
+            <a:spLocks noGrp="1"/>
+          </p:cNvSpPr>
+          <p:nvPr>
+            <p:ph type="title"/>
+          </p:nvPr>
+        </p:nvSpPr>
+        <p:spPr/>
+        <p:txBody>
+          <a:bodyPr/>
+          <a:lstStyle/>
+          <a:p>
+            <a:r>
+              <a:rPr lang="en-IN" dirty="0"/>
+              <a:t>Sprint goal </a:t>
+            </a:r>
+          </a:p>
+        </p:txBody>
+      </p:sp>
+      <p:sp>
+        <p:nvSpPr>
+          <p:cNvPr id="3" name="Content Placeholder 2">
+            <a:extLst>
+              <a:ext uri="{FF2B5EF4-FFF2-40B4-BE49-F238E27FC236}">
+                <a16:creationId xmlns:a16="http://schemas.microsoft.com/office/drawing/2014/main" id="{DE0FD94E-51FE-FD91-0A4C-658E0503BF9C}"/>
+              </a:ext>
+            </a:extLst>
+          </p:cNvPr>
+          <p:cNvSpPr>
+            <a:spLocks noGrp="1"/>
+          </p:cNvSpPr>
+          <p:nvPr>
+            <p:ph idx="1"/>
+          </p:nvPr>
+        </p:nvSpPr>
+        <p:spPr>
+          <a:xfrm>
+            <a:off x="846328" y="1888067"/>
+            <a:ext cx="9720073" cy="4023360"/>
+          </a:xfrm>
+        </p:spPr>
+        <p:txBody>
+          <a:bodyPr/>
+          <a:lstStyle/>
+          <a:p>
+            <a:r>
+              <a:rPr lang="en-US" dirty="0">
+                <a:solidFill>
+                  <a:srgbClr val="474747"/>
+                </a:solidFill>
+                <a:latin typeface="Verdana" panose="020B0604030504040204" pitchFamily="34" charset="0"/>
+              </a:rPr>
+              <a:t>A</a:t>
+            </a:r>
+            <a:r>
+              <a:rPr lang="en-US" b="0" i="0" dirty="0">
+                <a:solidFill>
+                  <a:srgbClr val="474747"/>
+                </a:solidFill>
+                <a:effectLst/>
+                <a:latin typeface="Verdana" panose="020B0604030504040204" pitchFamily="34" charset="0"/>
+              </a:rPr>
+              <a:t> short expression of the purpose of a Sprint, often a business problem that is addressed. Functionality might be adjusted during the Sprint in order to achieve the Sprint Goal.</a:t>
+            </a:r>
+          </a:p>
+          <a:p>
+            <a:endParaRPr lang="en-US" dirty="0">
+              <a:solidFill>
+                <a:srgbClr val="474747"/>
+              </a:solidFill>
+              <a:latin typeface="Verdana" panose="020B0604030504040204" pitchFamily="34" charset="0"/>
+            </a:endParaRPr>
+          </a:p>
+          <a:p>
+            <a:endParaRPr lang="en-IN" dirty="0"/>
+          </a:p>
+        </p:txBody>
+      </p:sp>
+      <p:pic>
+        <p:nvPicPr>
+          <p:cNvPr id="5" name="Picture 4">
+            <a:extLst>
+              <a:ext uri="{FF2B5EF4-FFF2-40B4-BE49-F238E27FC236}">
+                <a16:creationId xmlns:a16="http://schemas.microsoft.com/office/drawing/2014/main" id="{5A4F79A4-E85C-7731-89C4-7F3C9EB327D8}"/>
+              </a:ext>
+            </a:extLst>
+          </p:cNvPr>
+          <p:cNvPicPr>
+            <a:picLocks noChangeAspect="1"/>
+          </p:cNvPicPr>
+          <p:nvPr/>
+        </p:nvPicPr>
+        <p:blipFill>
+          <a:blip r:embed="rId2"/>
+          <a:stretch>
+            <a:fillRect/>
+          </a:stretch>
+        </p:blipFill>
+        <p:spPr>
+          <a:xfrm>
+            <a:off x="2889152" y="3186581"/>
+            <a:ext cx="6805181" cy="3221103"/>
+          </a:xfrm>
+          <a:prstGeom prst="rect">
+            <a:avLst/>
+          </a:prstGeom>
+        </p:spPr>
+      </p:pic>
+    </p:spTree>
+    <p:extLst>
+      <p:ext uri="{BB962C8B-B14F-4D97-AF65-F5344CB8AC3E}">
+        <p14:creationId xmlns:p14="http://schemas.microsoft.com/office/powerpoint/2010/main" val="591753958"/>
+      </p:ext>
+    </p:extLst>
+  </p:cSld>
+  <p:clrMapOvr>
+    <a:masterClrMapping/>
+  </p:clrMapOvr>
+</p:sld>
+</file>
+
+<file path=ppt/slides/slide37.xml><?xml version="1.0" encoding="utf-8"?>
+<p:sld xmlns:a="http://schemas.openxmlformats.org/drawingml/2006/main" xmlns:r="http://schemas.openxmlformats.org/officeDocument/2006/relationships" xmlns:p="http://schemas.openxmlformats.org/presentationml/2006/main">
+  <p:cSld>
+    <p:spTree>
+      <p:nvGrpSpPr>
+        <p:cNvPr id="1" name=""/>
+        <p:cNvGrpSpPr/>
+        <p:nvPr/>
+      </p:nvGrpSpPr>
+      <p:grpSpPr>
+        <a:xfrm>
+          <a:off x="0" y="0"/>
+          <a:ext cx="0" cy="0"/>
+          <a:chOff x="0" y="0"/>
+          <a:chExt cx="0" cy="0"/>
+        </a:xfrm>
+      </p:grpSpPr>
+      <p:sp>
+        <p:nvSpPr>
+          <p:cNvPr id="2" name="Title 1">
+            <a:extLst>
+              <a:ext uri="{FF2B5EF4-FFF2-40B4-BE49-F238E27FC236}">
+                <a16:creationId xmlns:a16="http://schemas.microsoft.com/office/drawing/2014/main" id="{709F3717-68EC-0628-9871-B4CE8158A870}"/>
+              </a:ext>
+            </a:extLst>
+          </p:cNvPr>
+          <p:cNvSpPr>
+            <a:spLocks noGrp="1"/>
+          </p:cNvSpPr>
+          <p:nvPr>
+            <p:ph type="title"/>
+          </p:nvPr>
+        </p:nvSpPr>
+        <p:spPr>
+          <a:xfrm>
+            <a:off x="1024128" y="585216"/>
+            <a:ext cx="9720072" cy="1006517"/>
+          </a:xfrm>
+        </p:spPr>
+        <p:txBody>
+          <a:bodyPr/>
+          <a:lstStyle/>
+          <a:p>
+            <a:r>
+              <a:rPr lang="en-IN" dirty="0"/>
+              <a:t>Sprint velocity</a:t>
+            </a:r>
+          </a:p>
+        </p:txBody>
+      </p:sp>
+      <p:sp>
+        <p:nvSpPr>
+          <p:cNvPr id="3" name="Content Placeholder 2">
+            <a:extLst>
+              <a:ext uri="{FF2B5EF4-FFF2-40B4-BE49-F238E27FC236}">
+                <a16:creationId xmlns:a16="http://schemas.microsoft.com/office/drawing/2014/main" id="{0B9F2E2D-635A-9155-C2CD-BD28E791F65E}"/>
+              </a:ext>
+            </a:extLst>
+          </p:cNvPr>
+          <p:cNvSpPr>
+            <a:spLocks noGrp="1"/>
+          </p:cNvSpPr>
+          <p:nvPr>
+            <p:ph idx="1"/>
+          </p:nvPr>
+        </p:nvSpPr>
+        <p:spPr>
+          <a:xfrm>
+            <a:off x="1024128" y="1701800"/>
+            <a:ext cx="9720073" cy="4607560"/>
+          </a:xfrm>
+        </p:spPr>
+        <p:txBody>
+          <a:bodyPr/>
+          <a:lstStyle/>
+          <a:p>
+            <a:r>
+              <a:rPr lang="en-US" dirty="0">
+                <a:solidFill>
+                  <a:srgbClr val="474747"/>
+                </a:solidFill>
+                <a:latin typeface="Verdana" panose="020B0604030504040204" pitchFamily="34" charset="0"/>
+              </a:rPr>
+              <a:t>A</a:t>
+            </a:r>
+            <a:r>
+              <a:rPr lang="en-US" b="0" i="0" dirty="0">
+                <a:solidFill>
+                  <a:srgbClr val="474747"/>
+                </a:solidFill>
+                <a:effectLst/>
+                <a:latin typeface="Verdana" panose="020B0604030504040204" pitchFamily="34" charset="0"/>
+              </a:rPr>
+              <a:t>n optional, but often used, indication of the amount of Product Backlog turned into an Increment of product during a Sprint by a Scrum Team, tracked by the Developers for use within the Scrum Team.</a:t>
+            </a:r>
+          </a:p>
+          <a:p>
+            <a:endParaRPr lang="en-US" dirty="0">
+              <a:solidFill>
+                <a:srgbClr val="474747"/>
+              </a:solidFill>
+              <a:latin typeface="Verdana" panose="020B0604030504040204" pitchFamily="34" charset="0"/>
+            </a:endParaRPr>
+          </a:p>
+          <a:p>
+            <a:endParaRPr lang="en-IN" dirty="0"/>
+          </a:p>
+        </p:txBody>
+      </p:sp>
+      <p:pic>
+        <p:nvPicPr>
+          <p:cNvPr id="5" name="Picture 4">
+            <a:extLst>
+              <a:ext uri="{FF2B5EF4-FFF2-40B4-BE49-F238E27FC236}">
+                <a16:creationId xmlns:a16="http://schemas.microsoft.com/office/drawing/2014/main" id="{483AE9A2-C4E9-3BCA-EC0F-8AA71B54BB81}"/>
+              </a:ext>
+            </a:extLst>
+          </p:cNvPr>
+          <p:cNvPicPr>
+            <a:picLocks noChangeAspect="1"/>
+          </p:cNvPicPr>
+          <p:nvPr/>
+        </p:nvPicPr>
+        <p:blipFill>
+          <a:blip r:embed="rId2"/>
+          <a:stretch>
+            <a:fillRect/>
+          </a:stretch>
+        </p:blipFill>
+        <p:spPr>
+          <a:xfrm>
+            <a:off x="2801298" y="3071227"/>
+            <a:ext cx="6123307" cy="2415172"/>
+          </a:xfrm>
+          <a:prstGeom prst="rect">
+            <a:avLst/>
+          </a:prstGeom>
+        </p:spPr>
+      </p:pic>
+    </p:spTree>
+    <p:extLst>
+      <p:ext uri="{BB962C8B-B14F-4D97-AF65-F5344CB8AC3E}">
+        <p14:creationId xmlns:p14="http://schemas.microsoft.com/office/powerpoint/2010/main" val="2534993894"/>
+      </p:ext>
+    </p:extLst>
+  </p:cSld>
+  <p:clrMapOvr>
+    <a:masterClrMapping/>
+  </p:clrMapOvr>
+</p:sld>
+</file>
+
+<file path=ppt/slides/slide38.xml><?xml version="1.0" encoding="utf-8"?>
+<p:sld xmlns:a="http://schemas.openxmlformats.org/drawingml/2006/main" xmlns:r="http://schemas.openxmlformats.org/officeDocument/2006/relationships" xmlns:p="http://schemas.openxmlformats.org/presentationml/2006/main">
+  <p:cSld>
+    <p:spTree>
+      <p:nvGrpSpPr>
+        <p:cNvPr id="1" name=""/>
+        <p:cNvGrpSpPr/>
+        <p:nvPr/>
+      </p:nvGrpSpPr>
+      <p:grpSpPr>
+        <a:xfrm>
+          <a:off x="0" y="0"/>
+          <a:ext cx="0" cy="0"/>
+          <a:chOff x="0" y="0"/>
+          <a:chExt cx="0" cy="0"/>
+        </a:xfrm>
+      </p:grpSpPr>
+      <p:sp>
+        <p:nvSpPr>
+          <p:cNvPr id="2" name="Title 1">
+            <a:extLst>
+              <a:ext uri="{FF2B5EF4-FFF2-40B4-BE49-F238E27FC236}">
+                <a16:creationId xmlns:a16="http://schemas.microsoft.com/office/drawing/2014/main" id="{B748D34E-1DF0-CC08-968B-984C56F529DE}"/>
+              </a:ext>
+            </a:extLst>
+          </p:cNvPr>
+          <p:cNvSpPr>
+            <a:spLocks noGrp="1"/>
+          </p:cNvSpPr>
+          <p:nvPr>
+            <p:ph type="title"/>
+          </p:nvPr>
+        </p:nvSpPr>
+        <p:spPr/>
+        <p:txBody>
+          <a:bodyPr/>
+          <a:lstStyle/>
+          <a:p>
+            <a:r>
+              <a:rPr lang="en-IN" dirty="0"/>
+              <a:t>Daily standup call</a:t>
+            </a:r>
+          </a:p>
+        </p:txBody>
+      </p:sp>
+      <p:sp>
+        <p:nvSpPr>
+          <p:cNvPr id="3" name="Content Placeholder 2">
+            <a:extLst>
+              <a:ext uri="{FF2B5EF4-FFF2-40B4-BE49-F238E27FC236}">
+                <a16:creationId xmlns:a16="http://schemas.microsoft.com/office/drawing/2014/main" id="{7B02FD25-68E4-CF9F-BF2D-7966A538344F}"/>
+              </a:ext>
+            </a:extLst>
+          </p:cNvPr>
+          <p:cNvSpPr>
+            <a:spLocks noGrp="1"/>
+          </p:cNvSpPr>
+          <p:nvPr>
+            <p:ph idx="1"/>
+          </p:nvPr>
+        </p:nvSpPr>
+        <p:spPr>
+          <a:xfrm>
+            <a:off x="1024128" y="1854200"/>
+            <a:ext cx="9720073" cy="4455160"/>
+          </a:xfrm>
+        </p:spPr>
+        <p:txBody>
+          <a:bodyPr>
+            <a:normAutofit/>
+          </a:bodyPr>
+          <a:lstStyle/>
+          <a:p>
+            <a:r>
+              <a:rPr lang="en-US" sz="1600" b="0" i="0" dirty="0">
+                <a:solidFill>
+                  <a:srgbClr val="474747"/>
+                </a:solidFill>
+                <a:effectLst/>
+                <a:latin typeface="Verdana" panose="020B0604030504040204" pitchFamily="34" charset="0"/>
+              </a:rPr>
+              <a:t>Scrum Event that is a 15-minute time-boxed event held each day for the Developers. The Daily Scrum is held every day of the Sprint. At it, the Developers plans work for the next 24 hours. This optimizes team collaboration and performance by inspecting the work since the last Daily Scrum and forecasting upcoming Sprint work. The Daily Scrum is held at the same time and place each day to reduce complexity.</a:t>
+            </a:r>
+          </a:p>
+          <a:p>
+            <a:endParaRPr lang="en-IN" sz="1600" dirty="0"/>
+          </a:p>
+        </p:txBody>
+      </p:sp>
+      <p:pic>
+        <p:nvPicPr>
+          <p:cNvPr id="5" name="Picture 4">
+            <a:extLst>
+              <a:ext uri="{FF2B5EF4-FFF2-40B4-BE49-F238E27FC236}">
+                <a16:creationId xmlns:a16="http://schemas.microsoft.com/office/drawing/2014/main" id="{63A869EE-8189-F5C8-B24E-8A03FAB016DA}"/>
+              </a:ext>
+            </a:extLst>
+          </p:cNvPr>
+          <p:cNvPicPr>
+            <a:picLocks noChangeAspect="1"/>
+          </p:cNvPicPr>
+          <p:nvPr/>
+        </p:nvPicPr>
+        <p:blipFill>
+          <a:blip r:embed="rId2"/>
+          <a:stretch>
+            <a:fillRect/>
+          </a:stretch>
+        </p:blipFill>
+        <p:spPr>
+          <a:xfrm>
+            <a:off x="1748173" y="3234266"/>
+            <a:ext cx="7493385" cy="2105112"/>
+          </a:xfrm>
+          <a:prstGeom prst="rect">
+            <a:avLst/>
+          </a:prstGeom>
+        </p:spPr>
+      </p:pic>
+    </p:spTree>
+    <p:extLst>
+      <p:ext uri="{BB962C8B-B14F-4D97-AF65-F5344CB8AC3E}">
+        <p14:creationId xmlns:p14="http://schemas.microsoft.com/office/powerpoint/2010/main" val="967359913"/>
+      </p:ext>
+    </p:extLst>
+  </p:cSld>
+  <p:clrMapOvr>
+    <a:masterClrMapping/>
+  </p:clrMapOvr>
+</p:sld>
+</file>
+
+<file path=ppt/slides/slide39.xml><?xml version="1.0" encoding="utf-8"?>
+<p:sld xmlns:a="http://schemas.openxmlformats.org/drawingml/2006/main" xmlns:r="http://schemas.openxmlformats.org/officeDocument/2006/relationships" xmlns:p="http://schemas.openxmlformats.org/presentationml/2006/main">
+  <p:cSld>
+    <p:spTree>
+      <p:nvGrpSpPr>
+        <p:cNvPr id="1" name=""/>
+        <p:cNvGrpSpPr/>
+        <p:nvPr/>
+      </p:nvGrpSpPr>
+      <p:grpSpPr>
+        <a:xfrm>
+          <a:off x="0" y="0"/>
+          <a:ext cx="0" cy="0"/>
+          <a:chOff x="0" y="0"/>
+          <a:chExt cx="0" cy="0"/>
+        </a:xfrm>
+      </p:grpSpPr>
+      <p:sp>
+        <p:nvSpPr>
+          <p:cNvPr id="2" name="Title 1">
+            <a:extLst>
+              <a:ext uri="{FF2B5EF4-FFF2-40B4-BE49-F238E27FC236}">
+                <a16:creationId xmlns:a16="http://schemas.microsoft.com/office/drawing/2014/main" id="{2604B904-B493-E4B8-2B5A-155455281979}"/>
+              </a:ext>
+            </a:extLst>
+          </p:cNvPr>
+          <p:cNvSpPr>
+            <a:spLocks noGrp="1"/>
+          </p:cNvSpPr>
+          <p:nvPr>
+            <p:ph type="title"/>
+          </p:nvPr>
+        </p:nvSpPr>
+        <p:spPr/>
+        <p:txBody>
+          <a:bodyPr/>
+          <a:lstStyle/>
+          <a:p>
+            <a:r>
+              <a:rPr lang="en-IN" dirty="0"/>
+              <a:t>forecast</a:t>
+            </a:r>
+          </a:p>
+        </p:txBody>
+      </p:sp>
+      <p:sp>
+        <p:nvSpPr>
+          <p:cNvPr id="3" name="Content Placeholder 2">
+            <a:extLst>
+              <a:ext uri="{FF2B5EF4-FFF2-40B4-BE49-F238E27FC236}">
+                <a16:creationId xmlns:a16="http://schemas.microsoft.com/office/drawing/2014/main" id="{9CAE324E-441E-9B8A-8C70-1F5ED2247987}"/>
+              </a:ext>
+            </a:extLst>
+          </p:cNvPr>
+          <p:cNvSpPr>
+            <a:spLocks noGrp="1"/>
+          </p:cNvSpPr>
+          <p:nvPr>
+            <p:ph idx="1"/>
+          </p:nvPr>
+        </p:nvSpPr>
+        <p:spPr/>
+        <p:txBody>
+          <a:bodyPr/>
+          <a:lstStyle/>
+          <a:p>
+            <a:r>
+              <a:rPr lang="en-US" dirty="0">
+                <a:solidFill>
+                  <a:srgbClr val="474747"/>
+                </a:solidFill>
+                <a:latin typeface="Verdana" panose="020B0604030504040204" pitchFamily="34" charset="0"/>
+              </a:rPr>
+              <a:t>T</a:t>
+            </a:r>
+            <a:r>
+              <a:rPr lang="en-US" b="0" i="0" dirty="0">
+                <a:solidFill>
+                  <a:srgbClr val="474747"/>
+                </a:solidFill>
+                <a:effectLst/>
+                <a:latin typeface="Verdana" panose="020B0604030504040204" pitchFamily="34" charset="0"/>
+              </a:rPr>
+              <a:t>he selection of items from the Product Backlog Developers deems feasible for implementation in a Sprint.</a:t>
+            </a:r>
+            <a:endParaRPr lang="en-IN" dirty="0"/>
+          </a:p>
+        </p:txBody>
+      </p:sp>
+      <p:pic>
+        <p:nvPicPr>
+          <p:cNvPr id="5" name="Picture 4">
+            <a:extLst>
+              <a:ext uri="{FF2B5EF4-FFF2-40B4-BE49-F238E27FC236}">
+                <a16:creationId xmlns:a16="http://schemas.microsoft.com/office/drawing/2014/main" id="{F70B0A23-FEAE-A5B6-5078-E1465852CA61}"/>
+              </a:ext>
+            </a:extLst>
+          </p:cNvPr>
+          <p:cNvPicPr>
+            <a:picLocks noChangeAspect="1"/>
+          </p:cNvPicPr>
+          <p:nvPr/>
+        </p:nvPicPr>
+        <p:blipFill>
+          <a:blip r:embed="rId2"/>
+          <a:stretch>
+            <a:fillRect/>
+          </a:stretch>
+        </p:blipFill>
+        <p:spPr>
+          <a:xfrm>
+            <a:off x="2507082" y="3156742"/>
+            <a:ext cx="5138317" cy="2534596"/>
+          </a:xfrm>
+          <a:prstGeom prst="rect">
+            <a:avLst/>
+          </a:prstGeom>
+        </p:spPr>
+      </p:pic>
+    </p:spTree>
+    <p:extLst>
+      <p:ext uri="{BB962C8B-B14F-4D97-AF65-F5344CB8AC3E}">
+        <p14:creationId xmlns:p14="http://schemas.microsoft.com/office/powerpoint/2010/main" val="1665641405"/>
+      </p:ext>
+    </p:extLst>
+  </p:cSld>
+  <p:clrMapOvr>
+    <a:masterClrMapping/>
+  </p:clrMapOvr>
+</p:sld>
+</file>
+
 <file path=ppt/slides/slide4.xml><?xml version="1.0" encoding="utf-8"?>
 <p:sld xmlns:a="http://schemas.openxmlformats.org/drawingml/2006/main" xmlns:r="http://schemas.openxmlformats.org/officeDocument/2006/relationships" xmlns:p="http://schemas.openxmlformats.org/presentationml/2006/main">
   <p:cSld>
@@ -24106,6 +24670,708 @@
     <p:extLst>
       <p:ext uri="{BB962C8B-B14F-4D97-AF65-F5344CB8AC3E}">
         <p14:creationId xmlns:p14="http://schemas.microsoft.com/office/powerpoint/2010/main" val="3819955859"/>
+      </p:ext>
+    </p:extLst>
+  </p:cSld>
+  <p:clrMapOvr>
+    <a:masterClrMapping/>
+  </p:clrMapOvr>
+</p:sld>
+</file>
+
+<file path=ppt/slides/slide40.xml><?xml version="1.0" encoding="utf-8"?>
+<p:sld xmlns:a="http://schemas.openxmlformats.org/drawingml/2006/main" xmlns:r="http://schemas.openxmlformats.org/officeDocument/2006/relationships" xmlns:p="http://schemas.openxmlformats.org/presentationml/2006/main">
+  <p:cSld>
+    <p:spTree>
+      <p:nvGrpSpPr>
+        <p:cNvPr id="1" name=""/>
+        <p:cNvGrpSpPr/>
+        <p:nvPr/>
+      </p:nvGrpSpPr>
+      <p:grpSpPr>
+        <a:xfrm>
+          <a:off x="0" y="0"/>
+          <a:ext cx="0" cy="0"/>
+          <a:chOff x="0" y="0"/>
+          <a:chExt cx="0" cy="0"/>
+        </a:xfrm>
+      </p:grpSpPr>
+      <p:sp>
+        <p:nvSpPr>
+          <p:cNvPr id="2" name="Title 1">
+            <a:extLst>
+              <a:ext uri="{FF2B5EF4-FFF2-40B4-BE49-F238E27FC236}">
+                <a16:creationId xmlns:a16="http://schemas.microsoft.com/office/drawing/2014/main" id="{8AB5118A-B3D6-B383-731A-CB888E11A0C5}"/>
+              </a:ext>
+            </a:extLst>
+          </p:cNvPr>
+          <p:cNvSpPr>
+            <a:spLocks noGrp="1"/>
+          </p:cNvSpPr>
+          <p:nvPr>
+            <p:ph type="title"/>
+          </p:nvPr>
+        </p:nvSpPr>
+        <p:spPr>
+          <a:xfrm>
+            <a:off x="1024128" y="585216"/>
+            <a:ext cx="9720072" cy="1091184"/>
+          </a:xfrm>
+        </p:spPr>
+        <p:txBody>
+          <a:bodyPr/>
+          <a:lstStyle/>
+          <a:p>
+            <a:r>
+              <a:rPr lang="en-IN" dirty="0"/>
+              <a:t>Definition of done </a:t>
+            </a:r>
+          </a:p>
+        </p:txBody>
+      </p:sp>
+      <p:sp>
+        <p:nvSpPr>
+          <p:cNvPr id="3" name="Content Placeholder 2">
+            <a:extLst>
+              <a:ext uri="{FF2B5EF4-FFF2-40B4-BE49-F238E27FC236}">
+                <a16:creationId xmlns:a16="http://schemas.microsoft.com/office/drawing/2014/main" id="{8236ABEA-D507-DEB0-BD58-3A2C444B6721}"/>
+              </a:ext>
+            </a:extLst>
+          </p:cNvPr>
+          <p:cNvSpPr>
+            <a:spLocks noGrp="1"/>
+          </p:cNvSpPr>
+          <p:nvPr>
+            <p:ph idx="1"/>
+          </p:nvPr>
+        </p:nvSpPr>
+        <p:spPr>
+          <a:xfrm>
+            <a:off x="1024128" y="1778000"/>
+            <a:ext cx="9720073" cy="4531360"/>
+          </a:xfrm>
+        </p:spPr>
+        <p:txBody>
+          <a:bodyPr>
+            <a:normAutofit/>
+          </a:bodyPr>
+          <a:lstStyle/>
+          <a:p>
+            <a:r>
+              <a:rPr lang="en-US" sz="1600" dirty="0">
+                <a:solidFill>
+                  <a:srgbClr val="474747"/>
+                </a:solidFill>
+                <a:latin typeface="Verdana" panose="020B0604030504040204" pitchFamily="34" charset="0"/>
+              </a:rPr>
+              <a:t>A</a:t>
+            </a:r>
+            <a:r>
+              <a:rPr lang="en-US" sz="1600" b="0" i="0" dirty="0">
+                <a:solidFill>
+                  <a:srgbClr val="474747"/>
+                </a:solidFill>
+                <a:effectLst/>
+                <a:latin typeface="Verdana" panose="020B0604030504040204" pitchFamily="34" charset="0"/>
+              </a:rPr>
+              <a:t> formal description of the state of the Increment when it meets the quality measures required for the product. The moment a Product Backlog item meets the Definition of Done, an Increment is born. The Definition of Done creates transparency by providing everyone a shared understanding of what work was completed as part of the Increment. If a Product Backlog item does not meet the Definition of Done, it cannot be released or even presented at the Sprint Review.</a:t>
+            </a:r>
+            <a:endParaRPr lang="en-IN" sz="1600" dirty="0"/>
+          </a:p>
+        </p:txBody>
+      </p:sp>
+      <p:pic>
+        <p:nvPicPr>
+          <p:cNvPr id="5" name="Picture 4">
+            <a:extLst>
+              <a:ext uri="{FF2B5EF4-FFF2-40B4-BE49-F238E27FC236}">
+                <a16:creationId xmlns:a16="http://schemas.microsoft.com/office/drawing/2014/main" id="{6DDB733B-C7A1-1ED8-66DD-74B222A48852}"/>
+              </a:ext>
+            </a:extLst>
+          </p:cNvPr>
+          <p:cNvPicPr>
+            <a:picLocks noChangeAspect="1"/>
+          </p:cNvPicPr>
+          <p:nvPr/>
+        </p:nvPicPr>
+        <p:blipFill>
+          <a:blip r:embed="rId2"/>
+          <a:stretch>
+            <a:fillRect/>
+          </a:stretch>
+        </p:blipFill>
+        <p:spPr>
+          <a:xfrm>
+            <a:off x="3343133" y="2970680"/>
+            <a:ext cx="5505733" cy="2406774"/>
+          </a:xfrm>
+          <a:prstGeom prst="rect">
+            <a:avLst/>
+          </a:prstGeom>
+        </p:spPr>
+      </p:pic>
+    </p:spTree>
+    <p:extLst>
+      <p:ext uri="{BB962C8B-B14F-4D97-AF65-F5344CB8AC3E}">
+        <p14:creationId xmlns:p14="http://schemas.microsoft.com/office/powerpoint/2010/main" val="1101677406"/>
+      </p:ext>
+    </p:extLst>
+  </p:cSld>
+  <p:clrMapOvr>
+    <a:masterClrMapping/>
+  </p:clrMapOvr>
+</p:sld>
+</file>
+
+<file path=ppt/slides/slide41.xml><?xml version="1.0" encoding="utf-8"?>
+<p:sld xmlns:a="http://schemas.openxmlformats.org/drawingml/2006/main" xmlns:r="http://schemas.openxmlformats.org/officeDocument/2006/relationships" xmlns:p="http://schemas.openxmlformats.org/presentationml/2006/main">
+  <p:cSld>
+    <p:spTree>
+      <p:nvGrpSpPr>
+        <p:cNvPr id="1" name=""/>
+        <p:cNvGrpSpPr/>
+        <p:nvPr/>
+      </p:nvGrpSpPr>
+      <p:grpSpPr>
+        <a:xfrm>
+          <a:off x="0" y="0"/>
+          <a:ext cx="0" cy="0"/>
+          <a:chOff x="0" y="0"/>
+          <a:chExt cx="0" cy="0"/>
+        </a:xfrm>
+      </p:grpSpPr>
+      <p:sp>
+        <p:nvSpPr>
+          <p:cNvPr id="2" name="Title 1">
+            <a:extLst>
+              <a:ext uri="{FF2B5EF4-FFF2-40B4-BE49-F238E27FC236}">
+                <a16:creationId xmlns:a16="http://schemas.microsoft.com/office/drawing/2014/main" id="{7E35B207-D98C-0F44-6D9C-C5FD719B2138}"/>
+              </a:ext>
+            </a:extLst>
+          </p:cNvPr>
+          <p:cNvSpPr>
+            <a:spLocks noGrp="1"/>
+          </p:cNvSpPr>
+          <p:nvPr>
+            <p:ph type="title"/>
+          </p:nvPr>
+        </p:nvSpPr>
+        <p:spPr/>
+        <p:txBody>
+          <a:bodyPr/>
+          <a:lstStyle/>
+          <a:p>
+            <a:r>
+              <a:rPr lang="en-IN" dirty="0"/>
+              <a:t>Jira </a:t>
+            </a:r>
+          </a:p>
+        </p:txBody>
+      </p:sp>
+      <p:sp>
+        <p:nvSpPr>
+          <p:cNvPr id="3" name="Content Placeholder 2">
+            <a:extLst>
+              <a:ext uri="{FF2B5EF4-FFF2-40B4-BE49-F238E27FC236}">
+                <a16:creationId xmlns:a16="http://schemas.microsoft.com/office/drawing/2014/main" id="{69CC0DB4-EEDA-98BB-28DB-9E6E944E009A}"/>
+              </a:ext>
+            </a:extLst>
+          </p:cNvPr>
+          <p:cNvSpPr>
+            <a:spLocks noGrp="1"/>
+          </p:cNvSpPr>
+          <p:nvPr>
+            <p:ph idx="1"/>
+          </p:nvPr>
+        </p:nvSpPr>
+        <p:spPr>
+          <a:xfrm>
+            <a:off x="1024128" y="1778000"/>
+            <a:ext cx="9720073" cy="4531360"/>
+          </a:xfrm>
+        </p:spPr>
+        <p:txBody>
+          <a:bodyPr/>
+          <a:lstStyle/>
+          <a:p>
+            <a:pPr algn="l" fontAlgn="base"/>
+            <a:r>
+              <a:rPr lang="en-US" b="0" i="0" dirty="0">
+                <a:solidFill>
+                  <a:srgbClr val="091E42"/>
+                </a:solidFill>
+                <a:effectLst/>
+                <a:latin typeface="Charlie Text"/>
+              </a:rPr>
+              <a:t>Jira is a suite of agile work management solutions that powers collaboration across all teams from concept to customer, empowering you to do the best work of your life, together. Jira offers several products and deployment options that are purpose-built for Software, IT, Business, Ops teams, and more.</a:t>
+            </a:r>
+          </a:p>
+          <a:p>
+            <a:pPr algn="l" fontAlgn="base"/>
+            <a:r>
+              <a:rPr lang="en-US" b="0" i="0" dirty="0">
+                <a:solidFill>
+                  <a:srgbClr val="091E42"/>
+                </a:solidFill>
+                <a:effectLst/>
+                <a:latin typeface="Charlie Text"/>
+              </a:rPr>
+              <a:t>Software teams build better with </a:t>
+            </a:r>
+            <a:r>
+              <a:rPr lang="en-US" b="0" i="0" u="sng" dirty="0">
+                <a:solidFill>
+                  <a:srgbClr val="0052CC"/>
+                </a:solidFill>
+                <a:effectLst/>
+                <a:latin typeface="Charlie Text"/>
+                <a:hlinkClick r:id="rId2"/>
+              </a:rPr>
+              <a:t>Jira Software</a:t>
+            </a:r>
+            <a:r>
+              <a:rPr lang="en-US" b="0" i="0" dirty="0">
+                <a:solidFill>
+                  <a:srgbClr val="091E42"/>
+                </a:solidFill>
+                <a:effectLst/>
+                <a:latin typeface="Charlie Text"/>
+              </a:rPr>
+              <a:t>, the #1 tool for agile teams. Deliver amazing service experiences across all teams from IT, Dev, Ops, and more with </a:t>
+            </a:r>
+            <a:r>
+              <a:rPr lang="en-US" b="0" i="0" u="sng" dirty="0">
+                <a:solidFill>
+                  <a:srgbClr val="0052CC"/>
+                </a:solidFill>
+                <a:effectLst/>
+                <a:latin typeface="Charlie Text"/>
+                <a:hlinkClick r:id="rId3"/>
+              </a:rPr>
+              <a:t>Jira Service Management</a:t>
+            </a:r>
+            <a:r>
+              <a:rPr lang="en-US" b="0" i="0" dirty="0">
+                <a:solidFill>
+                  <a:srgbClr val="091E42"/>
+                </a:solidFill>
+                <a:effectLst/>
+                <a:latin typeface="Charlie Text"/>
+              </a:rPr>
+              <a:t>. Business teams can unlock the power of agile and collaborate better with </a:t>
+            </a:r>
+            <a:r>
+              <a:rPr lang="en-US" b="0" i="0" u="none" strike="noStrike" dirty="0">
+                <a:solidFill>
+                  <a:srgbClr val="0065FF"/>
+                </a:solidFill>
+                <a:effectLst/>
+                <a:latin typeface="Charlie Text"/>
+                <a:hlinkClick r:id="rId4"/>
+              </a:rPr>
+              <a:t>Jira Work Management</a:t>
+            </a:r>
+            <a:r>
+              <a:rPr lang="en-US" b="0" i="0" dirty="0">
+                <a:solidFill>
+                  <a:srgbClr val="091E42"/>
+                </a:solidFill>
+                <a:effectLst/>
+                <a:latin typeface="Charlie Text"/>
+              </a:rPr>
+              <a:t>. </a:t>
+            </a:r>
+            <a:r>
+              <a:rPr lang="en-US" b="0" i="0" u="sng" dirty="0">
+                <a:solidFill>
+                  <a:srgbClr val="0052CC"/>
+                </a:solidFill>
+                <a:effectLst/>
+                <a:latin typeface="Charlie Text"/>
+                <a:hlinkClick r:id="rId5"/>
+              </a:rPr>
+              <a:t>Jira Align</a:t>
+            </a:r>
+            <a:r>
+              <a:rPr lang="en-US" b="0" i="0" dirty="0">
+                <a:solidFill>
+                  <a:srgbClr val="091E42"/>
+                </a:solidFill>
+                <a:effectLst/>
+                <a:latin typeface="Charlie Text"/>
+              </a:rPr>
+              <a:t> is an enterprise agile planning platform that connects work at scale.</a:t>
+            </a:r>
+          </a:p>
+          <a:p>
+            <a:endParaRPr lang="en-IN" dirty="0"/>
+          </a:p>
+        </p:txBody>
+      </p:sp>
+    </p:spTree>
+    <p:extLst>
+      <p:ext uri="{BB962C8B-B14F-4D97-AF65-F5344CB8AC3E}">
+        <p14:creationId xmlns:p14="http://schemas.microsoft.com/office/powerpoint/2010/main" val="1154801110"/>
+      </p:ext>
+    </p:extLst>
+  </p:cSld>
+  <p:clrMapOvr>
+    <a:masterClrMapping/>
+  </p:clrMapOvr>
+</p:sld>
+</file>
+
+<file path=ppt/slides/slide42.xml><?xml version="1.0" encoding="utf-8"?>
+<p:sld xmlns:a="http://schemas.openxmlformats.org/drawingml/2006/main" xmlns:r="http://schemas.openxmlformats.org/officeDocument/2006/relationships" xmlns:p="http://schemas.openxmlformats.org/presentationml/2006/main">
+  <p:cSld>
+    <p:spTree>
+      <p:nvGrpSpPr>
+        <p:cNvPr id="1" name=""/>
+        <p:cNvGrpSpPr/>
+        <p:nvPr/>
+      </p:nvGrpSpPr>
+      <p:grpSpPr>
+        <a:xfrm>
+          <a:off x="0" y="0"/>
+          <a:ext cx="0" cy="0"/>
+          <a:chOff x="0" y="0"/>
+          <a:chExt cx="0" cy="0"/>
+        </a:xfrm>
+      </p:grpSpPr>
+      <p:sp>
+        <p:nvSpPr>
+          <p:cNvPr id="2" name="Title 1">
+            <a:extLst>
+              <a:ext uri="{FF2B5EF4-FFF2-40B4-BE49-F238E27FC236}">
+                <a16:creationId xmlns:a16="http://schemas.microsoft.com/office/drawing/2014/main" id="{0758A698-A872-456B-9F03-2B1DFB203814}"/>
+              </a:ext>
+            </a:extLst>
+          </p:cNvPr>
+          <p:cNvSpPr>
+            <a:spLocks noGrp="1"/>
+          </p:cNvSpPr>
+          <p:nvPr>
+            <p:ph type="title"/>
+          </p:nvPr>
+        </p:nvSpPr>
+        <p:spPr>
+          <a:xfrm>
+            <a:off x="1024128" y="585216"/>
+            <a:ext cx="9720072" cy="1048851"/>
+          </a:xfrm>
+        </p:spPr>
+        <p:txBody>
+          <a:bodyPr/>
+          <a:lstStyle/>
+          <a:p>
+            <a:r>
+              <a:rPr lang="en-IN" dirty="0"/>
+              <a:t>Epic in </a:t>
+            </a:r>
+            <a:r>
+              <a:rPr lang="en-IN" dirty="0" err="1"/>
+              <a:t>jira</a:t>
+            </a:r>
+            <a:endParaRPr lang="en-IN" dirty="0"/>
+          </a:p>
+        </p:txBody>
+      </p:sp>
+      <p:sp>
+        <p:nvSpPr>
+          <p:cNvPr id="3" name="Content Placeholder 2">
+            <a:extLst>
+              <a:ext uri="{FF2B5EF4-FFF2-40B4-BE49-F238E27FC236}">
+                <a16:creationId xmlns:a16="http://schemas.microsoft.com/office/drawing/2014/main" id="{94A030FE-7D0F-5911-35BF-2D27BC865B71}"/>
+              </a:ext>
+            </a:extLst>
+          </p:cNvPr>
+          <p:cNvSpPr>
+            <a:spLocks noGrp="1"/>
+          </p:cNvSpPr>
+          <p:nvPr>
+            <p:ph idx="1"/>
+          </p:nvPr>
+        </p:nvSpPr>
+        <p:spPr>
+          <a:xfrm>
+            <a:off x="1024128" y="1811867"/>
+            <a:ext cx="9720073" cy="4497493"/>
+          </a:xfrm>
+        </p:spPr>
+        <p:txBody>
+          <a:bodyPr/>
+          <a:lstStyle/>
+          <a:p>
+            <a:pPr algn="l" fontAlgn="base"/>
+            <a:r>
+              <a:rPr lang="en-US" b="0" i="0" dirty="0">
+                <a:solidFill>
+                  <a:srgbClr val="091E42"/>
+                </a:solidFill>
+                <a:effectLst/>
+                <a:latin typeface="Charlie Text"/>
+              </a:rPr>
+              <a:t>An epic is a large body of work that can be broken down into a number of smaller </a:t>
+            </a:r>
+            <a:r>
+              <a:rPr lang="en-US" b="0" i="0" u="sng" dirty="0">
+                <a:solidFill>
+                  <a:srgbClr val="0052CC"/>
+                </a:solidFill>
+                <a:effectLst/>
+                <a:latin typeface="Charlie Text"/>
+                <a:hlinkClick r:id="rId2"/>
+              </a:rPr>
+              <a:t>stories</a:t>
+            </a:r>
+            <a:r>
+              <a:rPr lang="en-US" b="0" i="0" dirty="0">
+                <a:solidFill>
+                  <a:srgbClr val="091E42"/>
+                </a:solidFill>
+                <a:effectLst/>
+                <a:latin typeface="Charlie Text"/>
+              </a:rPr>
+              <a:t>, or sometimes called “Issues” in Jira. Epics often encompass multiple teams, on multiple projects, and can even be tracked on multiple boards.</a:t>
+            </a:r>
+          </a:p>
+          <a:p>
+            <a:pPr algn="l" fontAlgn="base"/>
+            <a:r>
+              <a:rPr lang="en-US" b="0" i="0" dirty="0">
+                <a:solidFill>
+                  <a:srgbClr val="091E42"/>
+                </a:solidFill>
+                <a:effectLst/>
+                <a:latin typeface="Charlie Text"/>
+              </a:rPr>
+              <a:t>Epics are almost always delivered over a set of sprints.</a:t>
+            </a:r>
+          </a:p>
+          <a:p>
+            <a:endParaRPr lang="en-IN" dirty="0"/>
+          </a:p>
+          <a:p>
+            <a:r>
+              <a:rPr lang="en-US" b="0" i="0" dirty="0">
+                <a:solidFill>
+                  <a:srgbClr val="091E42"/>
+                </a:solidFill>
+                <a:effectLst/>
+                <a:latin typeface="Charlie Text"/>
+              </a:rPr>
+              <a:t>Breaking initiatives into </a:t>
+            </a:r>
+            <a:r>
+              <a:rPr lang="en-US" b="1" i="0" dirty="0">
+                <a:solidFill>
+                  <a:srgbClr val="091E42"/>
+                </a:solidFill>
+                <a:effectLst/>
+                <a:latin typeface="Charlie Text"/>
+              </a:rPr>
+              <a:t>epics</a:t>
+            </a:r>
+            <a:r>
+              <a:rPr lang="en-US" b="0" i="0" dirty="0">
+                <a:solidFill>
+                  <a:srgbClr val="091E42"/>
+                </a:solidFill>
+                <a:effectLst/>
+                <a:latin typeface="Charlie Text"/>
+              </a:rPr>
+              <a:t> helps keep the team’s daily work — expressed in smaller stories — connected to overall business goals.</a:t>
+            </a:r>
+          </a:p>
+          <a:p>
+            <a:endParaRPr lang="en-IN" dirty="0"/>
+          </a:p>
+        </p:txBody>
+      </p:sp>
+    </p:spTree>
+    <p:extLst>
+      <p:ext uri="{BB962C8B-B14F-4D97-AF65-F5344CB8AC3E}">
+        <p14:creationId xmlns:p14="http://schemas.microsoft.com/office/powerpoint/2010/main" val="3364117991"/>
+      </p:ext>
+    </p:extLst>
+  </p:cSld>
+  <p:clrMapOvr>
+    <a:masterClrMapping/>
+  </p:clrMapOvr>
+</p:sld>
+</file>
+
+<file path=ppt/slides/slide43.xml><?xml version="1.0" encoding="utf-8"?>
+<p:sld xmlns:a="http://schemas.openxmlformats.org/drawingml/2006/main" xmlns:r="http://schemas.openxmlformats.org/officeDocument/2006/relationships" xmlns:p="http://schemas.openxmlformats.org/presentationml/2006/main">
+  <p:cSld>
+    <p:spTree>
+      <p:nvGrpSpPr>
+        <p:cNvPr id="1" name=""/>
+        <p:cNvGrpSpPr/>
+        <p:nvPr/>
+      </p:nvGrpSpPr>
+      <p:grpSpPr>
+        <a:xfrm>
+          <a:off x="0" y="0"/>
+          <a:ext cx="0" cy="0"/>
+          <a:chOff x="0" y="0"/>
+          <a:chExt cx="0" cy="0"/>
+        </a:xfrm>
+      </p:grpSpPr>
+      <p:sp>
+        <p:nvSpPr>
+          <p:cNvPr id="2" name="Title 1">
+            <a:extLst>
+              <a:ext uri="{FF2B5EF4-FFF2-40B4-BE49-F238E27FC236}">
+                <a16:creationId xmlns:a16="http://schemas.microsoft.com/office/drawing/2014/main" id="{B7413D56-7C0E-5610-ECAF-5357323AA711}"/>
+              </a:ext>
+            </a:extLst>
+          </p:cNvPr>
+          <p:cNvSpPr>
+            <a:spLocks noGrp="1"/>
+          </p:cNvSpPr>
+          <p:nvPr>
+            <p:ph type="title"/>
+          </p:nvPr>
+        </p:nvSpPr>
+        <p:spPr/>
+        <p:txBody>
+          <a:bodyPr/>
+          <a:lstStyle/>
+          <a:p>
+            <a:r>
+              <a:rPr lang="en-IN" dirty="0"/>
+              <a:t>What is bug and defect</a:t>
+            </a:r>
+          </a:p>
+        </p:txBody>
+      </p:sp>
+      <p:sp>
+        <p:nvSpPr>
+          <p:cNvPr id="3" name="Content Placeholder 2">
+            <a:extLst>
+              <a:ext uri="{FF2B5EF4-FFF2-40B4-BE49-F238E27FC236}">
+                <a16:creationId xmlns:a16="http://schemas.microsoft.com/office/drawing/2014/main" id="{4184A486-D5CF-B528-D66E-A112041C1816}"/>
+              </a:ext>
+            </a:extLst>
+          </p:cNvPr>
+          <p:cNvSpPr>
+            <a:spLocks noGrp="1"/>
+          </p:cNvSpPr>
+          <p:nvPr>
+            <p:ph idx="1"/>
+          </p:nvPr>
+        </p:nvSpPr>
+        <p:spPr/>
+        <p:txBody>
+          <a:bodyPr/>
+          <a:lstStyle/>
+          <a:p>
+            <a:r>
+              <a:rPr lang="en-US" b="0" i="0" dirty="0">
+                <a:solidFill>
+                  <a:srgbClr val="1E293B"/>
+                </a:solidFill>
+                <a:effectLst/>
+                <a:latin typeface="Noto Sans" panose="020B0502040204020203" pitchFamily="34" charset="0"/>
+              </a:rPr>
+              <a:t>Bugs and defects are two of the biggest problems that software and product developers have to deal with. A bug is an error in the software that causes it to malfunction, while a defect is a flaw in a product that reduces its usability or value. Bugs are usually found during testing, while customers find defects.</a:t>
+            </a:r>
+            <a:endParaRPr lang="en-IN" dirty="0"/>
+          </a:p>
+        </p:txBody>
+      </p:sp>
+    </p:spTree>
+    <p:extLst>
+      <p:ext uri="{BB962C8B-B14F-4D97-AF65-F5344CB8AC3E}">
+        <p14:creationId xmlns:p14="http://schemas.microsoft.com/office/powerpoint/2010/main" val="1433588074"/>
+      </p:ext>
+    </p:extLst>
+  </p:cSld>
+  <p:clrMapOvr>
+    <a:masterClrMapping/>
+  </p:clrMapOvr>
+</p:sld>
+</file>
+
+<file path=ppt/slides/slide44.xml><?xml version="1.0" encoding="utf-8"?>
+<p:sld xmlns:a="http://schemas.openxmlformats.org/drawingml/2006/main" xmlns:r="http://schemas.openxmlformats.org/officeDocument/2006/relationships" xmlns:p="http://schemas.openxmlformats.org/presentationml/2006/main">
+  <p:cSld>
+    <p:spTree>
+      <p:nvGrpSpPr>
+        <p:cNvPr id="1" name=""/>
+        <p:cNvGrpSpPr/>
+        <p:nvPr/>
+      </p:nvGrpSpPr>
+      <p:grpSpPr>
+        <a:xfrm>
+          <a:off x="0" y="0"/>
+          <a:ext cx="0" cy="0"/>
+          <a:chOff x="0" y="0"/>
+          <a:chExt cx="0" cy="0"/>
+        </a:xfrm>
+      </p:grpSpPr>
+      <p:sp>
+        <p:nvSpPr>
+          <p:cNvPr id="2" name="Title 1">
+            <a:extLst>
+              <a:ext uri="{FF2B5EF4-FFF2-40B4-BE49-F238E27FC236}">
+                <a16:creationId xmlns:a16="http://schemas.microsoft.com/office/drawing/2014/main" id="{3A7E5980-ED55-6205-2379-331EF66DA3C2}"/>
+              </a:ext>
+            </a:extLst>
+          </p:cNvPr>
+          <p:cNvSpPr>
+            <a:spLocks noGrp="1"/>
+          </p:cNvSpPr>
+          <p:nvPr>
+            <p:ph type="title"/>
+          </p:nvPr>
+        </p:nvSpPr>
+        <p:spPr/>
+        <p:txBody>
+          <a:bodyPr/>
+          <a:lstStyle/>
+          <a:p>
+            <a:r>
+              <a:rPr lang="en-IN" dirty="0"/>
+              <a:t>Difference between bug and defect</a:t>
+            </a:r>
+          </a:p>
+        </p:txBody>
+      </p:sp>
+      <p:pic>
+        <p:nvPicPr>
+          <p:cNvPr id="5" name="Content Placeholder 4">
+            <a:extLst>
+              <a:ext uri="{FF2B5EF4-FFF2-40B4-BE49-F238E27FC236}">
+                <a16:creationId xmlns:a16="http://schemas.microsoft.com/office/drawing/2014/main" id="{F1115077-2878-49AC-D118-8821A288473E}"/>
+              </a:ext>
+            </a:extLst>
+          </p:cNvPr>
+          <p:cNvPicPr>
+            <a:picLocks noGrp="1" noChangeAspect="1"/>
+          </p:cNvPicPr>
+          <p:nvPr>
+            <p:ph idx="1"/>
+          </p:nvPr>
+        </p:nvPicPr>
+        <p:blipFill>
+          <a:blip r:embed="rId2"/>
+          <a:stretch>
+            <a:fillRect/>
+          </a:stretch>
+        </p:blipFill>
+        <p:spPr>
+          <a:xfrm>
+            <a:off x="1204996" y="1925565"/>
+            <a:ext cx="10055671" cy="3937189"/>
+          </a:xfrm>
+        </p:spPr>
+      </p:pic>
+    </p:spTree>
+    <p:extLst>
+      <p:ext uri="{BB962C8B-B14F-4D97-AF65-F5344CB8AC3E}">
+        <p14:creationId xmlns:p14="http://schemas.microsoft.com/office/powerpoint/2010/main" val="1310163701"/>
       </p:ext>
     </p:extLst>
   </p:cSld>
